--- a/projet pratique JEE/Projet_JEE.pptx
+++ b/projet pratique JEE/Projet_JEE.pptx
@@ -214,7 +214,7 @@
             <a:fld id="{C490CA32-7548-4C8C-8E60-50CB5F4485FF}" type="datetimeFigureOut">
               <a:rPr lang="fr-CH" smtClean="0"/>
               <a:pPr/>
-              <a:t>06.11.19</a:t>
+              <a:t>13.11.19</a:t>
             </a:fld>
             <a:endParaRPr lang="fr-CH"/>
           </a:p>
@@ -3816,14 +3816,14 @@
           <p:nvPr>
             <p:extLst>
               <p:ext uri="{D42A27DB-BD31-4B8C-83A1-F6EECF244321}">
-                <p14:modId xmlns:p14="http://schemas.microsoft.com/office/powerpoint/2010/main" val="1835967449"/>
+                <p14:modId xmlns:p14="http://schemas.microsoft.com/office/powerpoint/2010/main" val="1807373384"/>
               </p:ext>
             </p:extLst>
           </p:nvPr>
         </p:nvGraphicFramePr>
         <p:xfrm>
           <a:off x="408573" y="2060848"/>
-          <a:ext cx="7848872" cy="4125566"/>
+          <a:ext cx="7848872" cy="4247486"/>
         </p:xfrm>
         <a:graphic>
           <a:graphicData uri="http://schemas.openxmlformats.org/drawingml/2006/table">
@@ -3839,21 +3839,21 @@
                     </a:ext>
                   </a:extLst>
                 </a:gridCol>
-                <a:gridCol w="1800200">
+                <a:gridCol w="4176464">
                   <a:extLst>
                     <a:ext uri="{9D8B030D-6E8A-4147-A177-3AD203B41FA5}">
                       <a16:colId xmlns:a16="http://schemas.microsoft.com/office/drawing/2014/main" val="20001"/>
                     </a:ext>
                   </a:extLst>
                 </a:gridCol>
-                <a:gridCol w="1944216">
+                <a:gridCol w="936104">
                   <a:extLst>
                     <a:ext uri="{9D8B030D-6E8A-4147-A177-3AD203B41FA5}">
                       <a16:colId xmlns:a16="http://schemas.microsoft.com/office/drawing/2014/main" val="3568964758"/>
                     </a:ext>
                   </a:extLst>
                 </a:gridCol>
-                <a:gridCol w="2893357">
+                <a:gridCol w="1525205">
                   <a:extLst>
                     <a:ext uri="{9D8B030D-6E8A-4147-A177-3AD203B41FA5}">
                       <a16:colId xmlns:a16="http://schemas.microsoft.com/office/drawing/2014/main" val="2808066044"/>
@@ -3927,7 +3927,10 @@
                     <a:bodyPr/>
                     <a:lstStyle/>
                     <a:p>
-                      <a:endParaRPr lang="fr-CH" sz="1100" dirty="0"/>
+                      <a:r>
+                        <a:rPr lang="fr-CH" sz="1100" dirty="0"/>
+                        <a:t>1</a:t>
+                      </a:r>
                     </a:p>
                   </a:txBody>
                   <a:tcPr/>
@@ -3938,6 +3941,94 @@
                     <a:lstStyle/>
                     <a:p>
                       <a:pPr lvl="0"/>
+                      <a:r>
+                        <a:rPr lang="fr-CH" sz="1200" b="1" kern="1200" dirty="0">
+                          <a:solidFill>
+                            <a:schemeClr val="dk1"/>
+                          </a:solidFill>
+                          <a:latin typeface="Arial" panose="020B0604020202020204" pitchFamily="34" charset="0"/>
+                          <a:ea typeface="+mn-ea"/>
+                          <a:cs typeface="Arial" panose="020B0604020202020204" pitchFamily="34" charset="0"/>
+                        </a:rPr>
+                        <a:t>Pierre </a:t>
+                      </a:r>
+                      <a:r>
+                        <a:rPr lang="fr-CH" sz="1200" b="1" kern="1200" dirty="0" err="1">
+                          <a:solidFill>
+                            <a:schemeClr val="dk1"/>
+                          </a:solidFill>
+                          <a:latin typeface="Arial" panose="020B0604020202020204" pitchFamily="34" charset="0"/>
+                          <a:ea typeface="+mn-ea"/>
+                          <a:cs typeface="Arial" panose="020B0604020202020204" pitchFamily="34" charset="0"/>
+                        </a:rPr>
+                        <a:t>Bürki</a:t>
+                      </a:r>
+                      <a:r>
+                        <a:rPr lang="fr-CH" sz="1200" b="1" kern="1200" dirty="0">
+                          <a:solidFill>
+                            <a:schemeClr val="dk1"/>
+                          </a:solidFill>
+                          <a:latin typeface="Arial" panose="020B0604020202020204" pitchFamily="34" charset="0"/>
+                          <a:ea typeface="+mn-ea"/>
+                          <a:cs typeface="Arial" panose="020B0604020202020204" pitchFamily="34" charset="0"/>
+                        </a:rPr>
+                        <a:t>, </a:t>
+                      </a:r>
+                      <a:r>
+                        <a:rPr lang="fr-CH" sz="1200" b="1" kern="1200" dirty="0" err="1">
+                          <a:solidFill>
+                            <a:schemeClr val="dk1"/>
+                          </a:solidFill>
+                          <a:latin typeface="Arial" panose="020B0604020202020204" pitchFamily="34" charset="0"/>
+                          <a:ea typeface="+mn-ea"/>
+                          <a:cs typeface="Arial" panose="020B0604020202020204" pitchFamily="34" charset="0"/>
+                        </a:rPr>
+                        <a:t>Loic</a:t>
+                      </a:r>
+                      <a:r>
+                        <a:rPr lang="fr-CH" sz="1200" b="1" kern="1200" dirty="0">
+                          <a:solidFill>
+                            <a:schemeClr val="dk1"/>
+                          </a:solidFill>
+                          <a:latin typeface="Arial" panose="020B0604020202020204" pitchFamily="34" charset="0"/>
+                          <a:ea typeface="+mn-ea"/>
+                          <a:cs typeface="Arial" panose="020B0604020202020204" pitchFamily="34" charset="0"/>
+                        </a:rPr>
+                        <a:t> Jeanneret, Tristan </a:t>
+                      </a:r>
+                      <a:r>
+                        <a:rPr lang="fr-CH" sz="1200" b="1" kern="1200" dirty="0" err="1">
+                          <a:solidFill>
+                            <a:schemeClr val="dk1"/>
+                          </a:solidFill>
+                          <a:latin typeface="Arial" panose="020B0604020202020204" pitchFamily="34" charset="0"/>
+                          <a:ea typeface="+mn-ea"/>
+                          <a:cs typeface="Arial" panose="020B0604020202020204" pitchFamily="34" charset="0"/>
+                        </a:rPr>
+                        <a:t>Seuret</a:t>
+                      </a:r>
+                      <a:r>
+                        <a:rPr lang="fr-CH" sz="1200" b="1" kern="1200" dirty="0">
+                          <a:solidFill>
+                            <a:schemeClr val="dk1"/>
+                          </a:solidFill>
+                          <a:latin typeface="Arial" panose="020B0604020202020204" pitchFamily="34" charset="0"/>
+                          <a:ea typeface="+mn-ea"/>
+                          <a:cs typeface="Arial" panose="020B0604020202020204" pitchFamily="34" charset="0"/>
+                        </a:rPr>
+                        <a:t>, David </a:t>
+                      </a:r>
+                      <a:r>
+                        <a:rPr lang="fr-CH" sz="1200" b="1" kern="1200" dirty="0" err="1">
+                          <a:solidFill>
+                            <a:schemeClr val="dk1"/>
+                          </a:solidFill>
+                          <a:latin typeface="Arial" panose="020B0604020202020204" pitchFamily="34" charset="0"/>
+                          <a:ea typeface="+mn-ea"/>
+                          <a:cs typeface="Arial" panose="020B0604020202020204" pitchFamily="34" charset="0"/>
+                        </a:rPr>
+                        <a:t>Rihs</a:t>
+                      </a:r>
                       <a:endParaRPr lang="fr-CH" sz="1200" b="1" kern="1200" dirty="0">
                         <a:solidFill>
                           <a:schemeClr val="dk1"/>
@@ -3998,7 +4089,10 @@
                     <a:bodyPr/>
                     <a:lstStyle/>
                     <a:p>
-                      <a:endParaRPr lang="fr-CH" sz="1100" dirty="0"/>
+                      <a:r>
+                        <a:rPr lang="fr-CH" sz="1100" dirty="0"/>
+                        <a:t>2</a:t>
+                      </a:r>
                     </a:p>
                   </a:txBody>
                   <a:tcPr/>
@@ -4009,6 +4103,50 @@
                     <a:lstStyle/>
                     <a:p>
                       <a:pPr lvl="0"/>
+                      <a:r>
+                        <a:rPr lang="fr-CH" sz="1200" b="1" kern="1200" dirty="0">
+                          <a:solidFill>
+                            <a:schemeClr val="dk1"/>
+                          </a:solidFill>
+                          <a:latin typeface="Arial" panose="020B0604020202020204" pitchFamily="34" charset="0"/>
+                          <a:ea typeface="+mn-ea"/>
+                          <a:cs typeface="Arial" panose="020B0604020202020204" pitchFamily="34" charset="0"/>
+                        </a:rPr>
+                        <a:t>Robin Alfred, Yohan </a:t>
+                      </a:r>
+                      <a:r>
+                        <a:rPr lang="fr-CH" sz="1200" b="1" kern="1200" dirty="0" err="1">
+                          <a:solidFill>
+                            <a:schemeClr val="dk1"/>
+                          </a:solidFill>
+                          <a:latin typeface="Arial" panose="020B0604020202020204" pitchFamily="34" charset="0"/>
+                          <a:ea typeface="+mn-ea"/>
+                          <a:cs typeface="Arial" panose="020B0604020202020204" pitchFamily="34" charset="0"/>
+                        </a:rPr>
+                        <a:t>Loison</a:t>
+                      </a:r>
+                      <a:r>
+                        <a:rPr lang="fr-CH" sz="1200" b="1" kern="1200" dirty="0">
+                          <a:solidFill>
+                            <a:schemeClr val="dk1"/>
+                          </a:solidFill>
+                          <a:latin typeface="Arial" panose="020B0604020202020204" pitchFamily="34" charset="0"/>
+                          <a:ea typeface="+mn-ea"/>
+                          <a:cs typeface="Arial" panose="020B0604020202020204" pitchFamily="34" charset="0"/>
+                        </a:rPr>
+                        <a:t>, Sébastien </a:t>
+                      </a:r>
+                      <a:r>
+                        <a:rPr lang="fr-CH" sz="1200" b="1" kern="1200" dirty="0" err="1">
+                          <a:solidFill>
+                            <a:schemeClr val="dk1"/>
+                          </a:solidFill>
+                          <a:latin typeface="Arial" panose="020B0604020202020204" pitchFamily="34" charset="0"/>
+                          <a:ea typeface="+mn-ea"/>
+                          <a:cs typeface="Arial" panose="020B0604020202020204" pitchFamily="34" charset="0"/>
+                        </a:rPr>
+                        <a:t>Peiris</a:t>
+                      </a:r>
                       <a:endParaRPr lang="fr-CH" sz="1200" b="1" kern="1200" dirty="0">
                         <a:solidFill>
                           <a:schemeClr val="dk1"/>
@@ -4055,7 +4193,10 @@
                     <a:bodyPr/>
                     <a:lstStyle/>
                     <a:p>
-                      <a:endParaRPr lang="fr-CH" sz="1100" dirty="0"/>
+                      <a:r>
+                        <a:rPr lang="fr-CH" sz="1100" dirty="0"/>
+                        <a:t>3</a:t>
+                      </a:r>
                     </a:p>
                   </a:txBody>
                   <a:tcPr/>
@@ -4082,6 +4223,48 @@
                         <a:tabLst/>
                         <a:defRPr/>
                       </a:pPr>
+                      <a:r>
+                        <a:rPr lang="fr-CH" sz="1200" b="1" dirty="0">
+                          <a:latin typeface="Arial" panose="020B0604020202020204" pitchFamily="34" charset="0"/>
+                          <a:cs typeface="Arial" panose="020B0604020202020204" pitchFamily="34" charset="0"/>
+                        </a:rPr>
+                        <a:t>Nino </a:t>
+                      </a:r>
+                      <a:r>
+                        <a:rPr lang="fr-CH" sz="1200" b="1" dirty="0" err="1">
+                          <a:latin typeface="Arial" panose="020B0604020202020204" pitchFamily="34" charset="0"/>
+                          <a:cs typeface="Arial" panose="020B0604020202020204" pitchFamily="34" charset="0"/>
+                        </a:rPr>
+                        <a:t>Jeannet</a:t>
+                      </a:r>
+                      <a:r>
+                        <a:rPr lang="fr-CH" sz="1200" b="1" dirty="0">
+                          <a:latin typeface="Arial" panose="020B0604020202020204" pitchFamily="34" charset="0"/>
+                          <a:cs typeface="Arial" panose="020B0604020202020204" pitchFamily="34" charset="0"/>
+                        </a:rPr>
+                        <a:t>, David Da Silva, Kevin </a:t>
+                      </a:r>
+                      <a:r>
+                        <a:rPr lang="fr-CH" sz="1200" b="1" dirty="0" err="1">
+                          <a:latin typeface="Arial" panose="020B0604020202020204" pitchFamily="34" charset="0"/>
+                          <a:cs typeface="Arial" panose="020B0604020202020204" pitchFamily="34" charset="0"/>
+                        </a:rPr>
+                        <a:t>Laipe</a:t>
+                      </a:r>
+                      <a:r>
+                        <a:rPr lang="fr-CH" sz="1200" b="1" dirty="0">
+                          <a:latin typeface="Arial" panose="020B0604020202020204" pitchFamily="34" charset="0"/>
+                          <a:cs typeface="Arial" panose="020B0604020202020204" pitchFamily="34" charset="0"/>
+                        </a:rPr>
+                        <a:t>, John </a:t>
+                      </a:r>
+                      <a:r>
+                        <a:rPr lang="fr-CH" sz="1200" b="1" dirty="0" err="1">
+                          <a:latin typeface="Arial" panose="020B0604020202020204" pitchFamily="34" charset="0"/>
+                          <a:cs typeface="Arial" panose="020B0604020202020204" pitchFamily="34" charset="0"/>
+                        </a:rPr>
+                        <a:t>Leuba</a:t>
+                      </a:r>
                       <a:endParaRPr lang="fr-CH" sz="1200" b="1" dirty="0">
                         <a:latin typeface="Arial" panose="020B0604020202020204" pitchFamily="34" charset="0"/>
                         <a:cs typeface="Arial" panose="020B0604020202020204" pitchFamily="34" charset="0"/>
@@ -4140,7 +4323,10 @@
                     <a:bodyPr/>
                     <a:lstStyle/>
                     <a:p>
-                      <a:endParaRPr lang="fr-CH" sz="1100" dirty="0"/>
+                      <a:r>
+                        <a:rPr lang="fr-CH" sz="1100" dirty="0"/>
+                        <a:t>4</a:t>
+                      </a:r>
                     </a:p>
                   </a:txBody>
                   <a:tcPr/>
@@ -4167,6 +4353,50 @@
                         <a:tabLst/>
                         <a:defRPr/>
                       </a:pPr>
+                      <a:r>
+                        <a:rPr lang="fr-CH" sz="1200" b="1" kern="1200" dirty="0">
+                          <a:solidFill>
+                            <a:schemeClr val="dk1"/>
+                          </a:solidFill>
+                          <a:latin typeface="Arial" panose="020B0604020202020204" pitchFamily="34" charset="0"/>
+                          <a:ea typeface="+mn-ea"/>
+                          <a:cs typeface="Arial" panose="020B0604020202020204" pitchFamily="34" charset="0"/>
+                        </a:rPr>
+                        <a:t>Erwan </a:t>
+                      </a:r>
+                      <a:r>
+                        <a:rPr lang="fr-CH" sz="1200" b="1" kern="1200" dirty="0" err="1">
+                          <a:solidFill>
+                            <a:schemeClr val="dk1"/>
+                          </a:solidFill>
+                          <a:latin typeface="Arial" panose="020B0604020202020204" pitchFamily="34" charset="0"/>
+                          <a:ea typeface="+mn-ea"/>
+                          <a:cs typeface="Arial" panose="020B0604020202020204" pitchFamily="34" charset="0"/>
+                        </a:rPr>
+                        <a:t>Buesche</a:t>
+                      </a:r>
+                      <a:r>
+                        <a:rPr lang="fr-CH" sz="1200" b="1" kern="1200" dirty="0">
+                          <a:solidFill>
+                            <a:schemeClr val="dk1"/>
+                          </a:solidFill>
+                          <a:latin typeface="Arial" panose="020B0604020202020204" pitchFamily="34" charset="0"/>
+                          <a:ea typeface="+mn-ea"/>
+                          <a:cs typeface="Arial" panose="020B0604020202020204" pitchFamily="34" charset="0"/>
+                        </a:rPr>
+                        <a:t>, Nathan Latino, Sol </a:t>
+                      </a:r>
+                      <a:r>
+                        <a:rPr lang="fr-CH" sz="1200" b="1" kern="1200" dirty="0" err="1">
+                          <a:solidFill>
+                            <a:schemeClr val="dk1"/>
+                          </a:solidFill>
+                          <a:latin typeface="Arial" panose="020B0604020202020204" pitchFamily="34" charset="0"/>
+                          <a:ea typeface="+mn-ea"/>
+                          <a:cs typeface="Arial" panose="020B0604020202020204" pitchFamily="34" charset="0"/>
+                        </a:rPr>
+                        <a:t>Rosca</a:t>
+                      </a:r>
                       <a:endParaRPr lang="fr-CH" sz="1200" b="1" kern="1200" dirty="0">
                         <a:solidFill>
                           <a:schemeClr val="dk1"/>
@@ -4229,7 +4459,10 @@
                     <a:bodyPr/>
                     <a:lstStyle/>
                     <a:p>
-                      <a:endParaRPr lang="fr-CH" sz="1100" dirty="0"/>
+                      <a:r>
+                        <a:rPr lang="fr-CH" sz="1100" dirty="0"/>
+                        <a:t>5</a:t>
+                      </a:r>
                     </a:p>
                   </a:txBody>
                   <a:tcPr/>
@@ -4256,6 +4489,50 @@
                         <a:tabLst/>
                         <a:defRPr/>
                       </a:pPr>
+                      <a:r>
+                        <a:rPr lang="fr-CH" sz="1200" b="1" kern="1200" dirty="0">
+                          <a:solidFill>
+                            <a:schemeClr val="dk1"/>
+                          </a:solidFill>
+                          <a:latin typeface="Arial" panose="020B0604020202020204" pitchFamily="34" charset="0"/>
+                          <a:ea typeface="+mn-ea"/>
+                          <a:cs typeface="Arial" panose="020B0604020202020204" pitchFamily="34" charset="0"/>
+                        </a:rPr>
+                        <a:t>Theo </a:t>
+                      </a:r>
+                      <a:r>
+                        <a:rPr lang="fr-CH" sz="1200" b="1" kern="1200" dirty="0" err="1">
+                          <a:solidFill>
+                            <a:schemeClr val="dk1"/>
+                          </a:solidFill>
+                          <a:latin typeface="Arial" panose="020B0604020202020204" pitchFamily="34" charset="0"/>
+                          <a:ea typeface="+mn-ea"/>
+                          <a:cs typeface="Arial" panose="020B0604020202020204" pitchFamily="34" charset="0"/>
+                        </a:rPr>
+                        <a:t>Schaffner</a:t>
+                      </a:r>
+                      <a:r>
+                        <a:rPr lang="fr-CH" sz="1200" b="1" kern="1200" dirty="0">
+                          <a:solidFill>
+                            <a:schemeClr val="dk1"/>
+                          </a:solidFill>
+                          <a:latin typeface="Arial" panose="020B0604020202020204" pitchFamily="34" charset="0"/>
+                          <a:ea typeface="+mn-ea"/>
+                          <a:cs typeface="Arial" panose="020B0604020202020204" pitchFamily="34" charset="0"/>
+                        </a:rPr>
+                        <a:t>, Julien Chappuis, Jonas </a:t>
+                      </a:r>
+                      <a:r>
+                        <a:rPr lang="fr-CH" sz="1200" b="1" kern="1200" dirty="0" err="1">
+                          <a:solidFill>
+                            <a:schemeClr val="dk1"/>
+                          </a:solidFill>
+                          <a:latin typeface="Arial" panose="020B0604020202020204" pitchFamily="34" charset="0"/>
+                          <a:ea typeface="+mn-ea"/>
+                          <a:cs typeface="Arial" panose="020B0604020202020204" pitchFamily="34" charset="0"/>
+                        </a:rPr>
+                        <a:t>Vallat</a:t>
+                      </a:r>
                       <a:endParaRPr lang="fr-CH" sz="1200" b="1" kern="1200" dirty="0">
                         <a:solidFill>
                           <a:schemeClr val="dk1"/>

--- a/projet pratique JEE/Projet_JEE.pptx
+++ b/projet pratique JEE/Projet_JEE.pptx
@@ -3709,7 +3709,7 @@
                 <a:latin typeface="Arial" panose="020B0604020202020204" pitchFamily="34" charset="0"/>
                 <a:cs typeface="Arial" panose="020B0604020202020204" pitchFamily="34" charset="0"/>
               </a:rPr>
-              <a:t>/ORG/ING/Formation/010-Bachelor/030-Niveau-3/010-Etudiants/3257_Langages_frameworks/JEE/</a:t>
+              <a:t>/ORG/ING/Formation/010-Bachelor/030-Niveau-3/010-Etudiants/3257_Langages_frameworks/Java Entreprise Edition/</a:t>
             </a:r>
             <a:r>
               <a:rPr lang="fr-FR" b="1" dirty="0" err="1">
@@ -3731,12 +3731,6 @@
               </a:rPr>
               <a:t>-b/PROJET</a:t>
             </a:r>
-          </a:p>
-          <a:p>
-            <a:endParaRPr lang="fr-FR" b="1" dirty="0">
-              <a:latin typeface="Arial" panose="020B0604020202020204" pitchFamily="34" charset="0"/>
-              <a:cs typeface="Arial" panose="020B0604020202020204" pitchFamily="34" charset="0"/>
-            </a:endParaRPr>
           </a:p>
           <a:p>
             <a:r>

--- a/projet pratique JEE/Projet_JEE.pptx
+++ b/projet pratique JEE/Projet_JEE.pptx
@@ -214,7 +214,7 @@
             <a:fld id="{C490CA32-7548-4C8C-8E60-50CB5F4485FF}" type="datetimeFigureOut">
               <a:rPr lang="fr-CH" smtClean="0"/>
               <a:pPr/>
-              <a:t>13.11.19</a:t>
+              <a:t>27.11.19</a:t>
             </a:fld>
             <a:endParaRPr lang="fr-CH"/>
           </a:p>
@@ -3406,7 +3406,7 @@
           <p:nvPr>
             <p:extLst>
               <p:ext uri="{D42A27DB-BD31-4B8C-83A1-F6EECF244321}">
-                <p14:modId xmlns:p14="http://schemas.microsoft.com/office/powerpoint/2010/main" val="1755746370"/>
+                <p14:modId xmlns:p14="http://schemas.microsoft.com/office/powerpoint/2010/main" val="1752701105"/>
               </p:ext>
             </p:extLst>
           </p:nvPr>
@@ -3529,7 +3529,7 @@
                     <a:p>
                       <a:r>
                         <a:rPr lang="fr-CH" dirty="0"/>
-                        <a:t>08.01.2019</a:t>
+                        <a:t>08.01.2020</a:t>
                       </a:r>
                     </a:p>
                   </a:txBody>
@@ -3810,7 +3810,7 @@
           <p:nvPr>
             <p:extLst>
               <p:ext uri="{D42A27DB-BD31-4B8C-83A1-F6EECF244321}">
-                <p14:modId xmlns:p14="http://schemas.microsoft.com/office/powerpoint/2010/main" val="1807373384"/>
+                <p14:modId xmlns:p14="http://schemas.microsoft.com/office/powerpoint/2010/main" val="546514090"/>
               </p:ext>
             </p:extLst>
           </p:nvPr>
